--- a/Aario-PPT/IT/智能硬件和移动互联网，该用什么语言？.pptx
+++ b/Aario-PPT/IT/智能硬件和移动互联网，该用什么语言？.pptx
@@ -12,6 +12,7 @@
     <p:sldId id="262" r:id="rId6"/>
     <p:sldId id="263" r:id="rId7"/>
     <p:sldId id="264" r:id="rId8"/>
+    <p:sldId id="266" r:id="rId9"/>
   </p:sldIdLst>
   <p:sldSz cx="12192000" cy="6858000"/>
   <p:notesSz cx="6858000" cy="9144000"/>
@@ -112,7 +113,7 @@
   </p:defaultTextStyle>
   <p:extLst>
     <p:ext uri="{EFAFB233-063F-42B5-8137-9DF3F51BA10A}">
-      <p15:sldGuideLst xmlns:p15="http://schemas.microsoft.com/office/powerpoint/2012/main"/>
+      <p15:sldGuideLst xmlns:p15="http://schemas.microsoft.com/office/powerpoint/2012/main" xmlns=""/>
     </p:ext>
   </p:extLst>
 </p:presentation>
@@ -191,6 +192,7 @@
           </a:p>
         </c:rich>
       </c:tx>
+      <c:layout/>
       <c:overlay val="0"/>
       <c:spPr>
         <a:noFill/>
@@ -199,26 +201,6 @@
         </a:ln>
         <a:effectLst/>
       </c:spPr>
-      <c:txPr>
-        <a:bodyPr rot="0" spcFirstLastPara="1" vertOverflow="ellipsis" vert="horz" wrap="square" anchor="ctr" anchorCtr="1"/>
-        <a:lstStyle/>
-        <a:p>
-          <a:pPr>
-            <a:defRPr sz="1862" b="0" i="0" u="none" strike="noStrike" kern="1200" spc="0" baseline="0">
-              <a:solidFill>
-                <a:schemeClr val="tx1">
-                  <a:lumMod val="65000"/>
-                  <a:lumOff val="35000"/>
-                </a:schemeClr>
-              </a:solidFill>
-              <a:latin typeface="+mn-lt"/>
-              <a:ea typeface="+mn-ea"/>
-              <a:cs typeface="+mn-cs"/>
-            </a:defRPr>
-          </a:pPr>
-          <a:endParaRPr lang="zh-CN"/>
-        </a:p>
-      </c:txPr>
     </c:title>
     <c:autoTitleDeleted val="0"/>
     <c:plotArea>
@@ -399,11 +381,11 @@
         </c:dLbls>
         <c:gapWidth val="219"/>
         <c:overlap val="-27"/>
-        <c:axId val="-757724848"/>
-        <c:axId val="-757711792"/>
+        <c:axId val="48825088"/>
+        <c:axId val="48826240"/>
       </c:barChart>
       <c:catAx>
-        <c:axId val="-757724848"/>
+        <c:axId val="48825088"/>
         <c:scaling>
           <c:orientation val="minMax"/>
         </c:scaling>
@@ -446,7 +428,7 @@
             <a:endParaRPr lang="zh-CN"/>
           </a:p>
         </c:txPr>
-        <c:crossAx val="-757711792"/>
+        <c:crossAx val="48826240"/>
         <c:crosses val="autoZero"/>
         <c:auto val="1"/>
         <c:lblAlgn val="ctr"/>
@@ -454,7 +436,7 @@
         <c:noMultiLvlLbl val="0"/>
       </c:catAx>
       <c:valAx>
-        <c:axId val="-757711792"/>
+        <c:axId val="48826240"/>
         <c:scaling>
           <c:orientation val="minMax"/>
         </c:scaling>
@@ -505,7 +487,7 @@
             <a:endParaRPr lang="zh-CN"/>
           </a:p>
         </c:txPr>
-        <c:crossAx val="-757724848"/>
+        <c:crossAx val="48825088"/>
         <c:crosses val="autoZero"/>
         <c:crossBetween val="between"/>
       </c:valAx>
@@ -519,6 +501,7 @@
     </c:plotArea>
     <c:legend>
       <c:legendPos val="b"/>
+      <c:layout/>
       <c:overlay val="0"/>
       <c:spPr>
         <a:noFill/>
@@ -569,7 +552,7 @@
       <a:endParaRPr lang="zh-CN"/>
     </a:p>
   </c:txPr>
-  <c:externalData r:id="rId3">
+  <c:externalData r:id="rId1">
     <c:autoUpdate val="0"/>
   </c:externalData>
 </c:chartSpace>
@@ -616,6 +599,7 @@
           </a:p>
         </c:rich>
       </c:tx>
+      <c:layout/>
       <c:overlay val="0"/>
       <c:spPr>
         <a:noFill/>
@@ -624,26 +608,6 @@
         </a:ln>
         <a:effectLst/>
       </c:spPr>
-      <c:txPr>
-        <a:bodyPr rot="0" spcFirstLastPara="1" vertOverflow="ellipsis" vert="horz" wrap="square" anchor="ctr" anchorCtr="1"/>
-        <a:lstStyle/>
-        <a:p>
-          <a:pPr>
-            <a:defRPr sz="1862" b="0" i="0" u="none" strike="noStrike" kern="1200" spc="0" baseline="0">
-              <a:solidFill>
-                <a:schemeClr val="tx1">
-                  <a:lumMod val="65000"/>
-                  <a:lumOff val="35000"/>
-                </a:schemeClr>
-              </a:solidFill>
-              <a:latin typeface="+mn-lt"/>
-              <a:ea typeface="+mn-ea"/>
-              <a:cs typeface="+mn-cs"/>
-            </a:defRPr>
-          </a:pPr>
-          <a:endParaRPr lang="zh-CN"/>
-        </a:p>
-      </c:txPr>
     </c:title>
     <c:autoTitleDeleted val="0"/>
     <c:plotArea>
@@ -854,11 +818,11 @@
         </c:dLbls>
         <c:gapWidth val="219"/>
         <c:overlap val="-27"/>
-        <c:axId val="-757727024"/>
-        <c:axId val="-757725936"/>
+        <c:axId val="49116672"/>
+        <c:axId val="49118208"/>
       </c:barChart>
       <c:catAx>
-        <c:axId val="-757727024"/>
+        <c:axId val="49116672"/>
         <c:scaling>
           <c:orientation val="minMax"/>
         </c:scaling>
@@ -901,7 +865,7 @@
             <a:endParaRPr lang="zh-CN"/>
           </a:p>
         </c:txPr>
-        <c:crossAx val="-757725936"/>
+        <c:crossAx val="49118208"/>
         <c:crosses val="autoZero"/>
         <c:auto val="1"/>
         <c:lblAlgn val="ctr"/>
@@ -909,7 +873,7 @@
         <c:noMultiLvlLbl val="0"/>
       </c:catAx>
       <c:valAx>
-        <c:axId val="-757725936"/>
+        <c:axId val="49118208"/>
         <c:scaling>
           <c:orientation val="minMax"/>
         </c:scaling>
@@ -960,7 +924,7 @@
             <a:endParaRPr lang="zh-CN"/>
           </a:p>
         </c:txPr>
-        <c:crossAx val="-757727024"/>
+        <c:crossAx val="49116672"/>
         <c:crosses val="autoZero"/>
         <c:crossBetween val="between"/>
       </c:valAx>
@@ -974,6 +938,7 @@
     </c:plotArea>
     <c:legend>
       <c:legendPos val="b"/>
+      <c:layout/>
       <c:overlay val="0"/>
       <c:spPr>
         <a:noFill/>
@@ -1024,7 +989,7 @@
       <a:endParaRPr lang="zh-CN"/>
     </a:p>
   </c:txPr>
-  <c:externalData r:id="rId3">
+  <c:externalData r:id="rId1">
     <c:autoUpdate val="0"/>
   </c:externalData>
 </c:chartSpace>
@@ -1071,6 +1036,7 @@
           </a:p>
         </c:rich>
       </c:tx>
+      <c:layout/>
       <c:overlay val="0"/>
       <c:spPr>
         <a:noFill/>
@@ -1079,26 +1045,6 @@
         </a:ln>
         <a:effectLst/>
       </c:spPr>
-      <c:txPr>
-        <a:bodyPr rot="0" spcFirstLastPara="1" vertOverflow="ellipsis" vert="horz" wrap="square" anchor="ctr" anchorCtr="1"/>
-        <a:lstStyle/>
-        <a:p>
-          <a:pPr>
-            <a:defRPr sz="1862" b="0" i="0" u="none" strike="noStrike" kern="1200" spc="0" baseline="0">
-              <a:solidFill>
-                <a:schemeClr val="tx1">
-                  <a:lumMod val="65000"/>
-                  <a:lumOff val="35000"/>
-                </a:schemeClr>
-              </a:solidFill>
-              <a:latin typeface="+mn-lt"/>
-              <a:ea typeface="+mn-ea"/>
-              <a:cs typeface="+mn-cs"/>
-            </a:defRPr>
-          </a:pPr>
-          <a:endParaRPr lang="zh-CN"/>
-        </a:p>
-      </c:txPr>
     </c:title>
     <c:autoTitleDeleted val="0"/>
     <c:plotArea>
@@ -1333,11 +1279,11 @@
         </c:dLbls>
         <c:gapWidth val="219"/>
         <c:overlap val="-27"/>
-        <c:axId val="-757717232"/>
-        <c:axId val="-757722128"/>
+        <c:axId val="49215744"/>
+        <c:axId val="48697344"/>
       </c:barChart>
       <c:catAx>
-        <c:axId val="-757717232"/>
+        <c:axId val="49215744"/>
         <c:scaling>
           <c:orientation val="minMax"/>
         </c:scaling>
@@ -1380,7 +1326,7 @@
             <a:endParaRPr lang="zh-CN"/>
           </a:p>
         </c:txPr>
-        <c:crossAx val="-757722128"/>
+        <c:crossAx val="48697344"/>
         <c:crosses val="autoZero"/>
         <c:auto val="1"/>
         <c:lblAlgn val="ctr"/>
@@ -1388,7 +1334,7 @@
         <c:noMultiLvlLbl val="0"/>
       </c:catAx>
       <c:valAx>
-        <c:axId val="-757722128"/>
+        <c:axId val="48697344"/>
         <c:scaling>
           <c:orientation val="minMax"/>
         </c:scaling>
@@ -1439,7 +1385,7 @@
             <a:endParaRPr lang="zh-CN"/>
           </a:p>
         </c:txPr>
-        <c:crossAx val="-757717232"/>
+        <c:crossAx val="49215744"/>
         <c:crosses val="autoZero"/>
         <c:crossBetween val="between"/>
       </c:valAx>
@@ -1453,6 +1399,7 @@
     </c:plotArea>
     <c:legend>
       <c:legendPos val="b"/>
+      <c:layout/>
       <c:overlay val="0"/>
       <c:spPr>
         <a:noFill/>
@@ -1503,7 +1450,7 @@
       <a:endParaRPr lang="zh-CN"/>
     </a:p>
   </c:txPr>
-  <c:externalData r:id="rId3">
+  <c:externalData r:id="rId1">
     <c:autoUpdate val="0"/>
   </c:externalData>
 </c:chartSpace>
@@ -1550,6 +1497,7 @@
           </a:p>
         </c:rich>
       </c:tx>
+      <c:layout/>
       <c:overlay val="0"/>
       <c:spPr>
         <a:noFill/>
@@ -1558,26 +1506,6 @@
         </a:ln>
         <a:effectLst/>
       </c:spPr>
-      <c:txPr>
-        <a:bodyPr rot="0" spcFirstLastPara="1" vertOverflow="ellipsis" vert="horz" wrap="square" anchor="ctr" anchorCtr="1"/>
-        <a:lstStyle/>
-        <a:p>
-          <a:pPr>
-            <a:defRPr sz="1862" b="0" i="0" u="none" strike="noStrike" kern="1200" spc="0" baseline="0">
-              <a:solidFill>
-                <a:schemeClr val="tx1">
-                  <a:lumMod val="65000"/>
-                  <a:lumOff val="35000"/>
-                </a:schemeClr>
-              </a:solidFill>
-              <a:latin typeface="+mn-lt"/>
-              <a:ea typeface="+mn-ea"/>
-              <a:cs typeface="+mn-cs"/>
-            </a:defRPr>
-          </a:pPr>
-          <a:endParaRPr lang="zh-CN"/>
-        </a:p>
-      </c:txPr>
     </c:title>
     <c:autoTitleDeleted val="0"/>
     <c:plotArea>
@@ -1866,11 +1794,11 @@
         </c:dLbls>
         <c:gapWidth val="219"/>
         <c:overlap val="-27"/>
-        <c:axId val="-757714512"/>
-        <c:axId val="-757724304"/>
+        <c:axId val="49029504"/>
+        <c:axId val="49031040"/>
       </c:barChart>
       <c:catAx>
-        <c:axId val="-757714512"/>
+        <c:axId val="49029504"/>
         <c:scaling>
           <c:orientation val="minMax"/>
         </c:scaling>
@@ -1913,7 +1841,7 @@
             <a:endParaRPr lang="zh-CN"/>
           </a:p>
         </c:txPr>
-        <c:crossAx val="-757724304"/>
+        <c:crossAx val="49031040"/>
         <c:crosses val="autoZero"/>
         <c:auto val="1"/>
         <c:lblAlgn val="ctr"/>
@@ -1921,7 +1849,7 @@
         <c:noMultiLvlLbl val="0"/>
       </c:catAx>
       <c:valAx>
-        <c:axId val="-757724304"/>
+        <c:axId val="49031040"/>
         <c:scaling>
           <c:orientation val="minMax"/>
         </c:scaling>
@@ -1972,7 +1900,7 @@
             <a:endParaRPr lang="zh-CN"/>
           </a:p>
         </c:txPr>
-        <c:crossAx val="-757714512"/>
+        <c:crossAx val="49029504"/>
         <c:crosses val="autoZero"/>
         <c:crossBetween val="between"/>
       </c:valAx>
@@ -1986,6 +1914,7 @@
     </c:plotArea>
     <c:legend>
       <c:legendPos val="b"/>
+      <c:layout/>
       <c:overlay val="0"/>
       <c:spPr>
         <a:noFill/>
@@ -2036,7 +1965,7 @@
       <a:endParaRPr lang="zh-CN"/>
     </a:p>
   </c:txPr>
-  <c:externalData r:id="rId3">
+  <c:externalData r:id="rId1">
     <c:autoUpdate val="0"/>
   </c:externalData>
 </c:chartSpace>
@@ -4345,7 +4274,7 @@
           <a:p>
             <a:fld id="{D1CEB0FD-D693-4ACC-9105-B0437DA2433E}" type="datetimeFigureOut">
               <a:rPr lang="zh-CN" altLang="en-US" smtClean="0"/>
-              <a:t>2016/7/17</a:t>
+              <a:t>2016/7/26</a:t>
             </a:fld>
             <a:endParaRPr lang="zh-CN" altLang="en-US"/>
           </a:p>
@@ -4515,7 +4444,7 @@
           <a:p>
             <a:fld id="{D1CEB0FD-D693-4ACC-9105-B0437DA2433E}" type="datetimeFigureOut">
               <a:rPr lang="zh-CN" altLang="en-US" smtClean="0"/>
-              <a:t>2016/7/17</a:t>
+              <a:t>2016/7/26</a:t>
             </a:fld>
             <a:endParaRPr lang="zh-CN" altLang="en-US"/>
           </a:p>
@@ -4695,7 +4624,7 @@
           <a:p>
             <a:fld id="{D1CEB0FD-D693-4ACC-9105-B0437DA2433E}" type="datetimeFigureOut">
               <a:rPr lang="zh-CN" altLang="en-US" smtClean="0"/>
-              <a:t>2016/7/17</a:t>
+              <a:t>2016/7/26</a:t>
             </a:fld>
             <a:endParaRPr lang="zh-CN" altLang="en-US"/>
           </a:p>
@@ -4865,7 +4794,7 @@
           <a:p>
             <a:fld id="{D1CEB0FD-D693-4ACC-9105-B0437DA2433E}" type="datetimeFigureOut">
               <a:rPr lang="zh-CN" altLang="en-US" smtClean="0"/>
-              <a:t>2016/7/17</a:t>
+              <a:t>2016/7/26</a:t>
             </a:fld>
             <a:endParaRPr lang="zh-CN" altLang="en-US"/>
           </a:p>
@@ -5111,7 +5040,7 @@
           <a:p>
             <a:fld id="{D1CEB0FD-D693-4ACC-9105-B0437DA2433E}" type="datetimeFigureOut">
               <a:rPr lang="zh-CN" altLang="en-US" smtClean="0"/>
-              <a:t>2016/7/17</a:t>
+              <a:t>2016/7/26</a:t>
             </a:fld>
             <a:endParaRPr lang="zh-CN" altLang="en-US"/>
           </a:p>
@@ -5343,7 +5272,7 @@
           <a:p>
             <a:fld id="{D1CEB0FD-D693-4ACC-9105-B0437DA2433E}" type="datetimeFigureOut">
               <a:rPr lang="zh-CN" altLang="en-US" smtClean="0"/>
-              <a:t>2016/7/17</a:t>
+              <a:t>2016/7/26</a:t>
             </a:fld>
             <a:endParaRPr lang="zh-CN" altLang="en-US"/>
           </a:p>
@@ -5710,7 +5639,7 @@
           <a:p>
             <a:fld id="{D1CEB0FD-D693-4ACC-9105-B0437DA2433E}" type="datetimeFigureOut">
               <a:rPr lang="zh-CN" altLang="en-US" smtClean="0"/>
-              <a:t>2016/7/17</a:t>
+              <a:t>2016/7/26</a:t>
             </a:fld>
             <a:endParaRPr lang="zh-CN" altLang="en-US"/>
           </a:p>
@@ -5828,7 +5757,7 @@
           <a:p>
             <a:fld id="{D1CEB0FD-D693-4ACC-9105-B0437DA2433E}" type="datetimeFigureOut">
               <a:rPr lang="zh-CN" altLang="en-US" smtClean="0"/>
-              <a:t>2016/7/17</a:t>
+              <a:t>2016/7/26</a:t>
             </a:fld>
             <a:endParaRPr lang="zh-CN" altLang="en-US"/>
           </a:p>
@@ -5923,7 +5852,7 @@
           <a:p>
             <a:fld id="{D1CEB0FD-D693-4ACC-9105-B0437DA2433E}" type="datetimeFigureOut">
               <a:rPr lang="zh-CN" altLang="en-US" smtClean="0"/>
-              <a:t>2016/7/17</a:t>
+              <a:t>2016/7/26</a:t>
             </a:fld>
             <a:endParaRPr lang="zh-CN" altLang="en-US"/>
           </a:p>
@@ -6200,7 +6129,7 @@
           <a:p>
             <a:fld id="{D1CEB0FD-D693-4ACC-9105-B0437DA2433E}" type="datetimeFigureOut">
               <a:rPr lang="zh-CN" altLang="en-US" smtClean="0"/>
-              <a:t>2016/7/17</a:t>
+              <a:t>2016/7/26</a:t>
             </a:fld>
             <a:endParaRPr lang="zh-CN" altLang="en-US"/>
           </a:p>
@@ -6453,7 +6382,7 @@
           <a:p>
             <a:fld id="{D1CEB0FD-D693-4ACC-9105-B0437DA2433E}" type="datetimeFigureOut">
               <a:rPr lang="zh-CN" altLang="en-US" smtClean="0"/>
-              <a:t>2016/7/17</a:t>
+              <a:t>2016/7/26</a:t>
             </a:fld>
             <a:endParaRPr lang="zh-CN" altLang="en-US"/>
           </a:p>
@@ -6666,7 +6595,7 @@
           <a:p>
             <a:fld id="{D1CEB0FD-D693-4ACC-9105-B0437DA2433E}" type="datetimeFigureOut">
               <a:rPr lang="zh-CN" altLang="en-US" smtClean="0"/>
-              <a:t>2016/7/17</a:t>
+              <a:t>2016/7/26</a:t>
             </a:fld>
             <a:endParaRPr lang="zh-CN" altLang="en-US"/>
           </a:p>
@@ -8256,7 +8185,15 @@
             </a:r>
             <a:r>
               <a:rPr lang="zh-CN" altLang="en-US" dirty="0" smtClean="0"/>
-              <a:t>选：</a:t>
+              <a:t>选 </a:t>
+            </a:r>
+            <a:r>
+              <a:rPr lang="en-US" altLang="zh-CN" dirty="0" smtClean="0"/>
+              <a:t>—— </a:t>
+            </a:r>
+            <a:r>
+              <a:rPr lang="zh-CN" altLang="en-US" dirty="0" smtClean="0"/>
+              <a:t>技术的归属：</a:t>
             </a:r>
             <a:endParaRPr lang="en-US" altLang="zh-CN" dirty="0" smtClean="0"/>
           </a:p>
@@ -8278,7 +8215,11 @@
             </a:r>
             <a:r>
               <a:rPr lang="zh-CN" altLang="en-US" dirty="0" smtClean="0"/>
-              <a:t>并发服务开发（如聊天），</a:t>
+              <a:t>并发服务</a:t>
+            </a:r>
+            <a:r>
+              <a:rPr lang="zh-CN" altLang="en-US" dirty="0" smtClean="0"/>
+              <a:t>开发，</a:t>
             </a:r>
             <a:r>
               <a:rPr lang="en-US" altLang="zh-CN" dirty="0" err="1" smtClean="0"/>
@@ -8292,12 +8233,8 @@
           </a:p>
           <a:p>
             <a:r>
-              <a:rPr lang="en-US" altLang="zh-CN" smtClean="0"/>
-              <a:t>HTTP2 </a:t>
-            </a:r>
-            <a:r>
-              <a:rPr lang="en-US" altLang="zh-CN" dirty="0" smtClean="0"/>
-              <a:t>Restful API </a:t>
+              <a:rPr lang="en-US" altLang="zh-CN" dirty="0" smtClean="0"/>
+              <a:t>HTTP2 Restful API </a:t>
             </a:r>
             <a:r>
               <a:rPr lang="zh-CN" altLang="en-US" dirty="0" smtClean="0"/>
@@ -8364,7 +8301,15 @@
             </a:pPr>
             <a:r>
               <a:rPr lang="zh-CN" altLang="en-US" dirty="0" smtClean="0"/>
-              <a:t>考虑：</a:t>
+              <a:t>考虑 </a:t>
+            </a:r>
+            <a:r>
+              <a:rPr lang="en-US" altLang="zh-CN" dirty="0" smtClean="0"/>
+              <a:t>—— </a:t>
+            </a:r>
+            <a:r>
+              <a:rPr lang="zh-CN" altLang="en-US" dirty="0" smtClean="0"/>
+              <a:t>政治的对决：</a:t>
             </a:r>
             <a:endParaRPr lang="en-US" altLang="zh-CN" dirty="0" smtClean="0"/>
           </a:p>
@@ -8391,14 +8336,22 @@
             </a:r>
             <a:r>
               <a:rPr lang="zh-CN" altLang="en-US" dirty="0" smtClean="0"/>
-              <a:t>系统（成本极低）</a:t>
+              <a:t>系统（成本极低</a:t>
+            </a:r>
+            <a:r>
+              <a:rPr lang="zh-CN" altLang="en-US" dirty="0" smtClean="0"/>
+              <a:t>）</a:t>
             </a:r>
             <a:endParaRPr lang="en-US" altLang="zh-CN" dirty="0" smtClean="0"/>
           </a:p>
           <a:p>
             <a:r>
               <a:rPr lang="en-US" altLang="zh-CN" dirty="0" smtClean="0"/>
-              <a:t>Go + React.js  </a:t>
+              <a:t>Go </a:t>
+            </a:r>
+            <a:r>
+              <a:rPr lang="en-US" altLang="zh-CN" dirty="0" smtClean="0"/>
+              <a:t>+ React.js  </a:t>
             </a:r>
             <a:r>
               <a:rPr lang="zh-CN" altLang="en-US" dirty="0" smtClean="0"/>
@@ -8497,11 +8450,7 @@
           <a:p>
             <a:r>
               <a:rPr lang="en-US" altLang="zh-CN" dirty="0" smtClean="0"/>
-              <a:t>PHP + </a:t>
-            </a:r>
-            <a:r>
-              <a:rPr lang="zh-CN" altLang="en-US" dirty="0" smtClean="0"/>
-              <a:t>扩展 </a:t>
+              <a:t>PHP </a:t>
             </a:r>
             <a:r>
               <a:rPr lang="en-US" altLang="zh-CN" dirty="0" smtClean="0"/>
@@ -8525,7 +8474,15 @@
             </a:r>
             <a:r>
               <a:rPr lang="zh-CN" altLang="en-US" dirty="0" smtClean="0"/>
-              <a:t>（无编译，速度快）</a:t>
+              <a:t>（无编译</a:t>
+            </a:r>
+            <a:r>
+              <a:rPr lang="zh-CN" altLang="en-US" dirty="0" smtClean="0"/>
+              <a:t>，速度疾快</a:t>
+            </a:r>
+            <a:r>
+              <a:rPr lang="zh-CN" altLang="en-US" dirty="0" smtClean="0"/>
+              <a:t>）</a:t>
             </a:r>
             <a:endParaRPr lang="en-US" altLang="zh-CN" dirty="0" smtClean="0"/>
           </a:p>
@@ -8595,6 +8552,65 @@
     <p:extLst>
       <p:ext uri="{BB962C8B-B14F-4D97-AF65-F5344CB8AC3E}">
         <p14:creationId xmlns:p14="http://schemas.microsoft.com/office/powerpoint/2010/main" val="3791215089"/>
+      </p:ext>
+    </p:extLst>
+  </p:cSld>
+  <p:clrMapOvr>
+    <a:masterClrMapping/>
+  </p:clrMapOvr>
+</p:sld>
+</file>
+
+<file path=ppt/slides/slide8.xml><?xml version="1.0" encoding="utf-8"?>
+<p:sld xmlns:a="http://schemas.openxmlformats.org/drawingml/2006/main" xmlns:r="http://schemas.openxmlformats.org/officeDocument/2006/relationships" xmlns:p="http://schemas.openxmlformats.org/presentationml/2006/main">
+  <p:cSld>
+    <p:spTree>
+      <p:nvGrpSpPr>
+        <p:cNvPr id="1" name=""/>
+        <p:cNvGrpSpPr/>
+        <p:nvPr/>
+      </p:nvGrpSpPr>
+      <p:grpSpPr>
+        <a:xfrm>
+          <a:off x="0" y="0"/>
+          <a:ext cx="0" cy="0"/>
+          <a:chOff x="0" y="0"/>
+          <a:chExt cx="0" cy="0"/>
+        </a:xfrm>
+      </p:grpSpPr>
+      <p:sp>
+        <p:nvSpPr>
+          <p:cNvPr id="2" name="标题 1"/>
+          <p:cNvSpPr>
+            <a:spLocks noGrp="1"/>
+          </p:cNvSpPr>
+          <p:nvPr>
+            <p:ph type="title"/>
+          </p:nvPr>
+        </p:nvSpPr>
+        <p:spPr>
+          <a:xfrm>
+            <a:off x="726688" y="2606520"/>
+            <a:ext cx="10515600" cy="1325563"/>
+          </a:xfrm>
+        </p:spPr>
+        <p:txBody>
+          <a:bodyPr/>
+          <a:lstStyle/>
+          <a:p>
+            <a:pPr algn="ctr"/>
+            <a:r>
+              <a:rPr lang="en-US" altLang="zh-CN" dirty="0" smtClean="0"/>
+              <a:t>Thanks</a:t>
+            </a:r>
+            <a:endParaRPr lang="zh-CN" altLang="en-US" dirty="0"/>
+          </a:p>
+        </p:txBody>
+      </p:sp>
+    </p:spTree>
+    <p:extLst>
+      <p:ext uri="{BB962C8B-B14F-4D97-AF65-F5344CB8AC3E}">
+        <p14:creationId xmlns:p14="http://schemas.microsoft.com/office/powerpoint/2010/main" val="5138146"/>
       </p:ext>
     </p:extLst>
   </p:cSld>
@@ -8647,7 +8663,7 @@
     </a:clrScheme>
     <a:fontScheme name="Office">
       <a:majorFont>
-        <a:latin typeface="Calibri Light" panose="020F0302020204030204"/>
+        <a:latin typeface="Calibri Light"/>
         <a:ea typeface=""/>
         <a:cs typeface=""/>
         <a:font script="Jpan" typeface="ＭＳ Ｐゴシック"/>
@@ -8682,7 +8698,7 @@
         <a:font script="Geor" typeface="Sylfaen"/>
       </a:majorFont>
       <a:minorFont>
-        <a:latin typeface="Calibri" panose="020F0502020204030204"/>
+        <a:latin typeface="Calibri"/>
         <a:ea typeface=""/>
         <a:cs typeface=""/>
         <a:font script="Jpan" typeface="ＭＳ Ｐゴシック"/>
@@ -8859,7 +8875,7 @@
   <a:extraClrSchemeLst/>
   <a:extLst>
     <a:ext uri="{05A4C25C-085E-4340-85A3-A5531E510DB2}">
-      <thm15:themeFamily xmlns:thm15="http://schemas.microsoft.com/office/thememl/2012/main" name="Office Theme" id="{62F939B6-93AF-4DB8-9C6B-D6C7DFDC589F}" vid="{4A3C46E8-61CC-4603-A589-7422A47A8E4A}"/>
+      <thm15:themeFamily xmlns:thm15="http://schemas.microsoft.com/office/thememl/2012/main" xmlns="" name="Office Theme" id="{62F939B6-93AF-4DB8-9C6B-D6C7DFDC589F}" vid="{4A3C46E8-61CC-4603-A589-7422A47A8E4A}"/>
     </a:ext>
   </a:extLst>
 </a:theme>
